--- a/docs/TARA - Brochure.pptx
+++ b/docs/TARA - Brochure.pptx
@@ -254,7 +254,7 @@
           <a:p>
             <a:fld id="{51B9B08D-8601-41A3-B91E-8512BA77A3C3}" type="datetimeFigureOut">
               <a:rPr lang="en-US" smtClean="0"/>
-              <a:t>9/2/2016</a:t>
+              <a:t>9/11/2016</a:t>
             </a:fld>
             <a:endParaRPr lang="en-US"/>
           </a:p>
@@ -424,7 +424,7 @@
           <a:p>
             <a:fld id="{51B9B08D-8601-41A3-B91E-8512BA77A3C3}" type="datetimeFigureOut">
               <a:rPr lang="en-US" smtClean="0"/>
-              <a:t>9/2/2016</a:t>
+              <a:t>9/11/2016</a:t>
             </a:fld>
             <a:endParaRPr lang="en-US"/>
           </a:p>
@@ -604,7 +604,7 @@
           <a:p>
             <a:fld id="{51B9B08D-8601-41A3-B91E-8512BA77A3C3}" type="datetimeFigureOut">
               <a:rPr lang="en-US" smtClean="0"/>
-              <a:t>9/2/2016</a:t>
+              <a:t>9/11/2016</a:t>
             </a:fld>
             <a:endParaRPr lang="en-US"/>
           </a:p>
@@ -796,7 +796,7 @@
           <a:p>
             <a:fld id="{2C04DBC2-07EF-4742-87CC-7D83D9A82A6E}" type="datetimeFigureOut">
               <a:rPr lang="en-US" smtClean="0"/>
-              <a:t>9/2/2016</a:t>
+              <a:t>9/11/2016</a:t>
             </a:fld>
             <a:endParaRPr lang="en-US"/>
           </a:p>
@@ -966,7 +966,7 @@
           <a:p>
             <a:fld id="{2C04DBC2-07EF-4742-87CC-7D83D9A82A6E}" type="datetimeFigureOut">
               <a:rPr lang="en-US" smtClean="0"/>
-              <a:t>9/2/2016</a:t>
+              <a:t>9/11/2016</a:t>
             </a:fld>
             <a:endParaRPr lang="en-US"/>
           </a:p>
@@ -1212,7 +1212,7 @@
           <a:p>
             <a:fld id="{2C04DBC2-07EF-4742-87CC-7D83D9A82A6E}" type="datetimeFigureOut">
               <a:rPr lang="en-US" smtClean="0"/>
-              <a:t>9/2/2016</a:t>
+              <a:t>9/11/2016</a:t>
             </a:fld>
             <a:endParaRPr lang="en-US"/>
           </a:p>
@@ -1444,7 +1444,7 @@
           <a:p>
             <a:fld id="{2C04DBC2-07EF-4742-87CC-7D83D9A82A6E}" type="datetimeFigureOut">
               <a:rPr lang="en-US" smtClean="0"/>
-              <a:t>9/2/2016</a:t>
+              <a:t>9/11/2016</a:t>
             </a:fld>
             <a:endParaRPr lang="en-US"/>
           </a:p>
@@ -1811,7 +1811,7 @@
           <a:p>
             <a:fld id="{2C04DBC2-07EF-4742-87CC-7D83D9A82A6E}" type="datetimeFigureOut">
               <a:rPr lang="en-US" smtClean="0"/>
-              <a:t>9/2/2016</a:t>
+              <a:t>9/11/2016</a:t>
             </a:fld>
             <a:endParaRPr lang="en-US"/>
           </a:p>
@@ -1929,7 +1929,7 @@
           <a:p>
             <a:fld id="{2C04DBC2-07EF-4742-87CC-7D83D9A82A6E}" type="datetimeFigureOut">
               <a:rPr lang="en-US" smtClean="0"/>
-              <a:t>9/2/2016</a:t>
+              <a:t>9/11/2016</a:t>
             </a:fld>
             <a:endParaRPr lang="en-US"/>
           </a:p>
@@ -2024,7 +2024,7 @@
           <a:p>
             <a:fld id="{2C04DBC2-07EF-4742-87CC-7D83D9A82A6E}" type="datetimeFigureOut">
               <a:rPr lang="en-US" smtClean="0"/>
-              <a:t>9/2/2016</a:t>
+              <a:t>9/11/2016</a:t>
             </a:fld>
             <a:endParaRPr lang="en-US"/>
           </a:p>
@@ -2301,7 +2301,7 @@
           <a:p>
             <a:fld id="{2C04DBC2-07EF-4742-87CC-7D83D9A82A6E}" type="datetimeFigureOut">
               <a:rPr lang="en-US" smtClean="0"/>
-              <a:t>9/2/2016</a:t>
+              <a:t>9/11/2016</a:t>
             </a:fld>
             <a:endParaRPr lang="en-US"/>
           </a:p>
@@ -2501,7 +2501,7 @@
           <a:p>
             <a:fld id="{51B9B08D-8601-41A3-B91E-8512BA77A3C3}" type="datetimeFigureOut">
               <a:rPr lang="en-US" smtClean="0"/>
-              <a:t>9/2/2016</a:t>
+              <a:t>9/11/2016</a:t>
             </a:fld>
             <a:endParaRPr lang="en-US" dirty="0"/>
           </a:p>
@@ -2765,7 +2765,7 @@
           <a:p>
             <a:fld id="{2C04DBC2-07EF-4742-87CC-7D83D9A82A6E}" type="datetimeFigureOut">
               <a:rPr lang="en-US" smtClean="0"/>
-              <a:t>9/2/2016</a:t>
+              <a:t>9/11/2016</a:t>
             </a:fld>
             <a:endParaRPr lang="en-US"/>
           </a:p>
@@ -2935,7 +2935,7 @@
           <a:p>
             <a:fld id="{2C04DBC2-07EF-4742-87CC-7D83D9A82A6E}" type="datetimeFigureOut">
               <a:rPr lang="en-US" smtClean="0"/>
-              <a:t>9/2/2016</a:t>
+              <a:t>9/11/2016</a:t>
             </a:fld>
             <a:endParaRPr lang="en-US"/>
           </a:p>
@@ -3115,7 +3115,7 @@
           <a:p>
             <a:fld id="{2C04DBC2-07EF-4742-87CC-7D83D9A82A6E}" type="datetimeFigureOut">
               <a:rPr lang="en-US" smtClean="0"/>
-              <a:t>9/2/2016</a:t>
+              <a:t>9/11/2016</a:t>
             </a:fld>
             <a:endParaRPr lang="en-US"/>
           </a:p>
@@ -3361,7 +3361,7 @@
           <a:p>
             <a:fld id="{51B9B08D-8601-41A3-B91E-8512BA77A3C3}" type="datetimeFigureOut">
               <a:rPr lang="en-US" smtClean="0"/>
-              <a:t>9/2/2016</a:t>
+              <a:t>9/11/2016</a:t>
             </a:fld>
             <a:endParaRPr lang="en-US"/>
           </a:p>
@@ -3593,7 +3593,7 @@
           <a:p>
             <a:fld id="{51B9B08D-8601-41A3-B91E-8512BA77A3C3}" type="datetimeFigureOut">
               <a:rPr lang="en-US" smtClean="0"/>
-              <a:t>9/2/2016</a:t>
+              <a:t>9/11/2016</a:t>
             </a:fld>
             <a:endParaRPr lang="en-US"/>
           </a:p>
@@ -3960,7 +3960,7 @@
           <a:p>
             <a:fld id="{51B9B08D-8601-41A3-B91E-8512BA77A3C3}" type="datetimeFigureOut">
               <a:rPr lang="en-US" smtClean="0"/>
-              <a:t>9/2/2016</a:t>
+              <a:t>9/11/2016</a:t>
             </a:fld>
             <a:endParaRPr lang="en-US"/>
           </a:p>
@@ -4078,7 +4078,7 @@
           <a:p>
             <a:fld id="{51B9B08D-8601-41A3-B91E-8512BA77A3C3}" type="datetimeFigureOut">
               <a:rPr lang="en-US" smtClean="0"/>
-              <a:t>9/2/2016</a:t>
+              <a:t>9/11/2016</a:t>
             </a:fld>
             <a:endParaRPr lang="en-US"/>
           </a:p>
@@ -4173,7 +4173,7 @@
           <a:p>
             <a:fld id="{51B9B08D-8601-41A3-B91E-8512BA77A3C3}" type="datetimeFigureOut">
               <a:rPr lang="en-US" smtClean="0"/>
-              <a:t>9/2/2016</a:t>
+              <a:t>9/11/2016</a:t>
             </a:fld>
             <a:endParaRPr lang="en-US"/>
           </a:p>
@@ -4450,7 +4450,7 @@
           <a:p>
             <a:fld id="{51B9B08D-8601-41A3-B91E-8512BA77A3C3}" type="datetimeFigureOut">
               <a:rPr lang="en-US" smtClean="0"/>
-              <a:t>9/2/2016</a:t>
+              <a:t>9/11/2016</a:t>
             </a:fld>
             <a:endParaRPr lang="en-US"/>
           </a:p>
@@ -4703,7 +4703,7 @@
           <a:p>
             <a:fld id="{51B9B08D-8601-41A3-B91E-8512BA77A3C3}" type="datetimeFigureOut">
               <a:rPr lang="en-US" smtClean="0"/>
-              <a:t>9/2/2016</a:t>
+              <a:t>9/11/2016</a:t>
             </a:fld>
             <a:endParaRPr lang="en-US"/>
           </a:p>
@@ -4916,7 +4916,7 @@
           <a:p>
             <a:fld id="{51B9B08D-8601-41A3-B91E-8512BA77A3C3}" type="datetimeFigureOut">
               <a:rPr lang="en-US" smtClean="0"/>
-              <a:t>9/2/2016</a:t>
+              <a:t>9/11/2016</a:t>
             </a:fld>
             <a:endParaRPr lang="en-US"/>
           </a:p>
@@ -5456,7 +5456,7 @@
           <a:p>
             <a:fld id="{2C04DBC2-07EF-4742-87CC-7D83D9A82A6E}" type="datetimeFigureOut">
               <a:rPr lang="en-US" smtClean="0"/>
-              <a:t>9/2/2016</a:t>
+              <a:t>9/11/2016</a:t>
             </a:fld>
             <a:endParaRPr lang="en-US"/>
           </a:p>
@@ -6107,11 +6107,7 @@
           <a:p>
             <a:r>
               <a:rPr lang="en-US" dirty="0" smtClean="0"/>
-              <a:t>If </a:t>
-            </a:r>
-            <a:r>
-              <a:rPr lang="en-US" dirty="0" smtClean="0"/>
-              <a:t>data is existent in another database, cost is significantly reduced</a:t>
+              <a:t>If data is existent in another database, cost is significantly reduced</a:t>
             </a:r>
             <a:endParaRPr lang="en-US" dirty="0"/>
           </a:p>
@@ -7910,9 +7906,16 @@
             <p:ph idx="1"/>
           </p:nvPr>
         </p:nvSpPr>
-        <p:spPr/>
-        <p:txBody>
-          <a:bodyPr/>
+        <p:spPr>
+          <a:xfrm>
+            <a:off x="838200" y="1325563"/>
+            <a:ext cx="5199529" cy="4851400"/>
+          </a:xfrm>
+        </p:spPr>
+        <p:txBody>
+          <a:bodyPr>
+            <a:normAutofit fontScale="92500"/>
+          </a:bodyPr>
           <a:lstStyle/>
           <a:p>
             <a:r>
@@ -7941,20 +7944,42 @@
           <a:p>
             <a:r>
               <a:rPr lang="en-US" dirty="0" smtClean="0"/>
-              <a:t>It takes about </a:t>
-            </a:r>
-            <a:r>
-              <a:rPr lang="en-US" dirty="0" smtClean="0"/>
-              <a:t>6 </a:t>
-            </a:r>
-            <a:r>
-              <a:rPr lang="en-US" dirty="0" smtClean="0"/>
-              <a:t>months to make the data Live on Google</a:t>
+              <a:t>It takes about 6 months to make the data Live on Google</a:t>
             </a:r>
             <a:endParaRPr lang="en-US" dirty="0"/>
           </a:p>
         </p:txBody>
       </p:sp>
+      <p:pic>
+        <p:nvPicPr>
+          <p:cNvPr id="4" name="Picture 3"/>
+          <p:cNvPicPr>
+            <a:picLocks noChangeAspect="1"/>
+          </p:cNvPicPr>
+          <p:nvPr/>
+        </p:nvPicPr>
+        <p:blipFill>
+          <a:blip r:embed="rId2" cstate="print">
+            <a:extLst>
+              <a:ext uri="{28A0092B-C50C-407E-A947-70E740481C1C}">
+                <a14:useLocalDpi xmlns:a14="http://schemas.microsoft.com/office/drawing/2010/main" val="0"/>
+              </a:ext>
+            </a:extLst>
+          </a:blip>
+          <a:stretch>
+            <a:fillRect/>
+          </a:stretch>
+        </p:blipFill>
+        <p:spPr>
+          <a:xfrm>
+            <a:off x="6096000" y="1325563"/>
+            <a:ext cx="5701553" cy="4276165"/>
+          </a:xfrm>
+          <a:prstGeom prst="rect">
+            <a:avLst/>
+          </a:prstGeom>
+        </p:spPr>
+      </p:pic>
     </p:spTree>
     <p:extLst>
       <p:ext uri="{BB962C8B-B14F-4D97-AF65-F5344CB8AC3E}">
